--- a/Presentations/Präsentation1.pptx
+++ b/Presentations/Präsentation1.pptx
@@ -104,6 +104,11 @@
       </a:defRPr>
     </a:lvl9pPr>
   </p:defaultTextStyle>
+  <p:extLst>
+    <p:ext uri="{EFAFB233-063F-42B5-8137-9DF3F51BA10A}">
+      <p15:sldGuideLst xmlns:p15="http://schemas.microsoft.com/office/powerpoint/2012/main"/>
+    </p:ext>
+  </p:extLst>
 </p:presentation>
 </file>
 
@@ -238,7 +243,7 @@
           <a:p>
             <a:fld id="{9B7AFC00-9D66-4C1A-AA55-43B8731912A1}" type="datetimeFigureOut">
               <a:rPr lang="de-DE" smtClean="0"/>
-              <a:t>07.06.2015</a:t>
+              <a:t>08.06.2015</a:t>
             </a:fld>
             <a:endParaRPr lang="de-DE"/>
           </a:p>
@@ -408,7 +413,7 @@
           <a:p>
             <a:fld id="{9B7AFC00-9D66-4C1A-AA55-43B8731912A1}" type="datetimeFigureOut">
               <a:rPr lang="de-DE" smtClean="0"/>
-              <a:t>07.06.2015</a:t>
+              <a:t>08.06.2015</a:t>
             </a:fld>
             <a:endParaRPr lang="de-DE"/>
           </a:p>
@@ -588,7 +593,7 @@
           <a:p>
             <a:fld id="{9B7AFC00-9D66-4C1A-AA55-43B8731912A1}" type="datetimeFigureOut">
               <a:rPr lang="de-DE" smtClean="0"/>
-              <a:t>07.06.2015</a:t>
+              <a:t>08.06.2015</a:t>
             </a:fld>
             <a:endParaRPr lang="de-DE"/>
           </a:p>
@@ -758,7 +763,7 @@
           <a:p>
             <a:fld id="{9B7AFC00-9D66-4C1A-AA55-43B8731912A1}" type="datetimeFigureOut">
               <a:rPr lang="de-DE" smtClean="0"/>
-              <a:t>07.06.2015</a:t>
+              <a:t>08.06.2015</a:t>
             </a:fld>
             <a:endParaRPr lang="de-DE"/>
           </a:p>
@@ -1004,7 +1009,7 @@
           <a:p>
             <a:fld id="{9B7AFC00-9D66-4C1A-AA55-43B8731912A1}" type="datetimeFigureOut">
               <a:rPr lang="de-DE" smtClean="0"/>
-              <a:t>07.06.2015</a:t>
+              <a:t>08.06.2015</a:t>
             </a:fld>
             <a:endParaRPr lang="de-DE"/>
           </a:p>
@@ -1236,7 +1241,7 @@
           <a:p>
             <a:fld id="{9B7AFC00-9D66-4C1A-AA55-43B8731912A1}" type="datetimeFigureOut">
               <a:rPr lang="de-DE" smtClean="0"/>
-              <a:t>07.06.2015</a:t>
+              <a:t>08.06.2015</a:t>
             </a:fld>
             <a:endParaRPr lang="de-DE"/>
           </a:p>
@@ -1603,7 +1608,7 @@
           <a:p>
             <a:fld id="{9B7AFC00-9D66-4C1A-AA55-43B8731912A1}" type="datetimeFigureOut">
               <a:rPr lang="de-DE" smtClean="0"/>
-              <a:t>07.06.2015</a:t>
+              <a:t>08.06.2015</a:t>
             </a:fld>
             <a:endParaRPr lang="de-DE"/>
           </a:p>
@@ -1721,7 +1726,7 @@
           <a:p>
             <a:fld id="{9B7AFC00-9D66-4C1A-AA55-43B8731912A1}" type="datetimeFigureOut">
               <a:rPr lang="de-DE" smtClean="0"/>
-              <a:t>07.06.2015</a:t>
+              <a:t>08.06.2015</a:t>
             </a:fld>
             <a:endParaRPr lang="de-DE"/>
           </a:p>
@@ -1816,7 +1821,7 @@
           <a:p>
             <a:fld id="{9B7AFC00-9D66-4C1A-AA55-43B8731912A1}" type="datetimeFigureOut">
               <a:rPr lang="de-DE" smtClean="0"/>
-              <a:t>07.06.2015</a:t>
+              <a:t>08.06.2015</a:t>
             </a:fld>
             <a:endParaRPr lang="de-DE"/>
           </a:p>
@@ -2093,7 +2098,7 @@
           <a:p>
             <a:fld id="{9B7AFC00-9D66-4C1A-AA55-43B8731912A1}" type="datetimeFigureOut">
               <a:rPr lang="de-DE" smtClean="0"/>
-              <a:t>07.06.2015</a:t>
+              <a:t>08.06.2015</a:t>
             </a:fld>
             <a:endParaRPr lang="de-DE"/>
           </a:p>
@@ -2346,7 +2351,7 @@
           <a:p>
             <a:fld id="{9B7AFC00-9D66-4C1A-AA55-43B8731912A1}" type="datetimeFigureOut">
               <a:rPr lang="de-DE" smtClean="0"/>
-              <a:t>07.06.2015</a:t>
+              <a:t>08.06.2015</a:t>
             </a:fld>
             <a:endParaRPr lang="de-DE"/>
           </a:p>
@@ -2559,7 +2564,7 @@
           <a:p>
             <a:fld id="{9B7AFC00-9D66-4C1A-AA55-43B8731912A1}" type="datetimeFigureOut">
               <a:rPr lang="de-DE" smtClean="0"/>
-              <a:t>07.06.2015</a:t>
+              <a:t>08.06.2015</a:t>
             </a:fld>
             <a:endParaRPr lang="de-DE"/>
           </a:p>
@@ -3324,7 +3329,7 @@
         <p:spPr>
           <a:xfrm>
             <a:off x="175357" y="3481423"/>
-            <a:ext cx="6496266" cy="692497"/>
+            <a:ext cx="7042825" cy="692497"/>
           </a:xfrm>
           <a:prstGeom prst="rect">
             <a:avLst/>
@@ -3351,9 +3356,14 @@
               <a:t>ungerichteter</a:t>
             </a:r>
             <a:r>
-              <a:rPr lang="de-DE" sz="1300" dirty="0" smtClean="0"/>
-              <a:t>, verbundener Graph</a:t>
-            </a:r>
+              <a:rPr lang="de-DE" sz="1300" smtClean="0"/>
+              <a:t>, </a:t>
+            </a:r>
+            <a:r>
+              <a:rPr lang="de-DE" sz="1300" smtClean="0"/>
+              <a:t>zusammenhängender Graph</a:t>
+            </a:r>
+            <a:endParaRPr lang="de-DE" sz="1300" dirty="0" smtClean="0"/>
           </a:p>
           <a:p>
             <a:r>

--- a/Presentations/Präsentation1.pptx
+++ b/Presentations/Präsentation1.pptx
@@ -243,7 +243,7 @@
           <a:p>
             <a:fld id="{9B7AFC00-9D66-4C1A-AA55-43B8731912A1}" type="datetimeFigureOut">
               <a:rPr lang="de-DE" smtClean="0"/>
-              <a:t>08.06.2015</a:t>
+              <a:t>10.06.2015</a:t>
             </a:fld>
             <a:endParaRPr lang="de-DE"/>
           </a:p>
@@ -413,7 +413,7 @@
           <a:p>
             <a:fld id="{9B7AFC00-9D66-4C1A-AA55-43B8731912A1}" type="datetimeFigureOut">
               <a:rPr lang="de-DE" smtClean="0"/>
-              <a:t>08.06.2015</a:t>
+              <a:t>10.06.2015</a:t>
             </a:fld>
             <a:endParaRPr lang="de-DE"/>
           </a:p>
@@ -593,7 +593,7 @@
           <a:p>
             <a:fld id="{9B7AFC00-9D66-4C1A-AA55-43B8731912A1}" type="datetimeFigureOut">
               <a:rPr lang="de-DE" smtClean="0"/>
-              <a:t>08.06.2015</a:t>
+              <a:t>10.06.2015</a:t>
             </a:fld>
             <a:endParaRPr lang="de-DE"/>
           </a:p>
@@ -763,7 +763,7 @@
           <a:p>
             <a:fld id="{9B7AFC00-9D66-4C1A-AA55-43B8731912A1}" type="datetimeFigureOut">
               <a:rPr lang="de-DE" smtClean="0"/>
-              <a:t>08.06.2015</a:t>
+              <a:t>10.06.2015</a:t>
             </a:fld>
             <a:endParaRPr lang="de-DE"/>
           </a:p>
@@ -1009,7 +1009,7 @@
           <a:p>
             <a:fld id="{9B7AFC00-9D66-4C1A-AA55-43B8731912A1}" type="datetimeFigureOut">
               <a:rPr lang="de-DE" smtClean="0"/>
-              <a:t>08.06.2015</a:t>
+              <a:t>10.06.2015</a:t>
             </a:fld>
             <a:endParaRPr lang="de-DE"/>
           </a:p>
@@ -1241,7 +1241,7 @@
           <a:p>
             <a:fld id="{9B7AFC00-9D66-4C1A-AA55-43B8731912A1}" type="datetimeFigureOut">
               <a:rPr lang="de-DE" smtClean="0"/>
-              <a:t>08.06.2015</a:t>
+              <a:t>10.06.2015</a:t>
             </a:fld>
             <a:endParaRPr lang="de-DE"/>
           </a:p>
@@ -1608,7 +1608,7 @@
           <a:p>
             <a:fld id="{9B7AFC00-9D66-4C1A-AA55-43B8731912A1}" type="datetimeFigureOut">
               <a:rPr lang="de-DE" smtClean="0"/>
-              <a:t>08.06.2015</a:t>
+              <a:t>10.06.2015</a:t>
             </a:fld>
             <a:endParaRPr lang="de-DE"/>
           </a:p>
@@ -1726,7 +1726,7 @@
           <a:p>
             <a:fld id="{9B7AFC00-9D66-4C1A-AA55-43B8731912A1}" type="datetimeFigureOut">
               <a:rPr lang="de-DE" smtClean="0"/>
-              <a:t>08.06.2015</a:t>
+              <a:t>10.06.2015</a:t>
             </a:fld>
             <a:endParaRPr lang="de-DE"/>
           </a:p>
@@ -1821,7 +1821,7 @@
           <a:p>
             <a:fld id="{9B7AFC00-9D66-4C1A-AA55-43B8731912A1}" type="datetimeFigureOut">
               <a:rPr lang="de-DE" smtClean="0"/>
-              <a:t>08.06.2015</a:t>
+              <a:t>10.06.2015</a:t>
             </a:fld>
             <a:endParaRPr lang="de-DE"/>
           </a:p>
@@ -2098,7 +2098,7 @@
           <a:p>
             <a:fld id="{9B7AFC00-9D66-4C1A-AA55-43B8731912A1}" type="datetimeFigureOut">
               <a:rPr lang="de-DE" smtClean="0"/>
-              <a:t>08.06.2015</a:t>
+              <a:t>10.06.2015</a:t>
             </a:fld>
             <a:endParaRPr lang="de-DE"/>
           </a:p>
@@ -2351,7 +2351,7 @@
           <a:p>
             <a:fld id="{9B7AFC00-9D66-4C1A-AA55-43B8731912A1}" type="datetimeFigureOut">
               <a:rPr lang="de-DE" smtClean="0"/>
-              <a:t>08.06.2015</a:t>
+              <a:t>10.06.2015</a:t>
             </a:fld>
             <a:endParaRPr lang="de-DE"/>
           </a:p>
@@ -2564,7 +2564,7 @@
           <a:p>
             <a:fld id="{9B7AFC00-9D66-4C1A-AA55-43B8731912A1}" type="datetimeFigureOut">
               <a:rPr lang="de-DE" smtClean="0"/>
-              <a:t>08.06.2015</a:t>
+              <a:t>10.06.2015</a:t>
             </a:fld>
             <a:endParaRPr lang="de-DE"/>
           </a:p>
@@ -3082,8 +3082,20 @@
           <a:lstStyle/>
           <a:p>
             <a:r>
+              <a:rPr lang="de-DE" sz="1400" u="sng" dirty="0" smtClean="0"/>
+              <a:t>Verhaltensausbreitung</a:t>
+            </a:r>
+            <a:r>
               <a:rPr lang="de-DE" sz="1400" dirty="0" smtClean="0"/>
-              <a:t>Verhaltensausbreitung analysiert wie sich Innovationen in einem sozialen Netzwerk ausbreiten. Innovationen können in diesem Kontext neue Technologien, Verhalten oder Normen sein.</a:t>
+              <a:t> analysiert wie sich Innovationen in einem sozialen Netzwerk </a:t>
+            </a:r>
+            <a:r>
+              <a:rPr lang="de-DE" sz="1400" u="sng" dirty="0" smtClean="0"/>
+              <a:t>ausbreiten</a:t>
+            </a:r>
+            <a:r>
+              <a:rPr lang="de-DE" sz="1400" dirty="0" smtClean="0"/>
+              <a:t>. Innovationen können in diesem Kontext neue Technologien, Verhalten oder Normen sein.</a:t>
             </a:r>
             <a:endParaRPr lang="de-DE" sz="1400" dirty="0"/>
           </a:p>
@@ -3150,13 +3162,13 @@
         <p:spPr>
           <a:xfrm>
             <a:off x="49994" y="1873293"/>
-            <a:ext cx="2170692" cy="1500411"/>
+            <a:ext cx="2170692" cy="1438855"/>
           </a:xfrm>
           <a:prstGeom prst="rect">
             <a:avLst/>
           </a:prstGeom>
           <a:noFill/>
-          <a:ln>
+          <a:ln w="19050">
             <a:solidFill>
               <a:srgbClr val="FF0000"/>
             </a:solidFill>
@@ -3169,7 +3181,7 @@
           <a:lstStyle/>
           <a:p>
             <a:r>
-              <a:rPr lang="de-DE" b="1" u="sng" dirty="0" smtClean="0"/>
+              <a:rPr lang="de-DE" sz="1400" b="1" u="sng" dirty="0" smtClean="0"/>
               <a:t>Innovationen</a:t>
             </a:r>
           </a:p>
@@ -3188,7 +3200,15 @@
           <a:p>
             <a:r>
               <a:rPr lang="de-DE" sz="1050" dirty="0" smtClean="0"/>
-              <a:t>sozialen Netzwerk adaptieren. Sie lassen sich durch fünf Attribute definieren. Relativer Vorteil, Kompatibilität, Komplexität, </a:t>
+              <a:t>sozialen Netzwerk adaptieren. Sie lassen sich durch </a:t>
+            </a:r>
+            <a:r>
+              <a:rPr lang="de-DE" sz="1050" u="sng" dirty="0" smtClean="0"/>
+              <a:t>fünf Attribute </a:t>
+            </a:r>
+            <a:r>
+              <a:rPr lang="de-DE" sz="1050" dirty="0" smtClean="0"/>
+              <a:t>definieren. Relativer Vorteil, Kompatibilität, Komplexität, </a:t>
             </a:r>
           </a:p>
           <a:p>
@@ -3213,13 +3233,13 @@
         <p:spPr>
           <a:xfrm>
             <a:off x="2338144" y="1873292"/>
-            <a:ext cx="2170692" cy="1500411"/>
+            <a:ext cx="2170692" cy="1438855"/>
           </a:xfrm>
           <a:prstGeom prst="rect">
             <a:avLst/>
           </a:prstGeom>
           <a:noFill/>
-          <a:ln>
+          <a:ln w="19050">
             <a:solidFill>
               <a:srgbClr val="FF0000"/>
             </a:solidFill>
@@ -3232,17 +3252,21 @@
           <a:lstStyle/>
           <a:p>
             <a:r>
-              <a:rPr lang="de-DE" b="1" u="sng" dirty="0" smtClean="0"/>
+              <a:rPr lang="de-DE" sz="1400" b="1" u="sng" dirty="0" smtClean="0"/>
               <a:t>Kanäle</a:t>
             </a:r>
           </a:p>
           <a:p>
             <a:r>
               <a:rPr lang="de-DE" sz="1050" dirty="0" smtClean="0"/>
-              <a:t>Über Strong </a:t>
-            </a:r>
-            <a:r>
-              <a:rPr lang="de-DE" sz="1050" dirty="0" err="1" smtClean="0"/>
+              <a:t>Über </a:t>
+            </a:r>
+            <a:r>
+              <a:rPr lang="de-DE" sz="1050" u="sng" dirty="0" smtClean="0"/>
+              <a:t>Strong </a:t>
+            </a:r>
+            <a:r>
+              <a:rPr lang="de-DE" sz="1050" u="sng" dirty="0" err="1" smtClean="0"/>
               <a:t>Ties</a:t>
             </a:r>
             <a:r>
@@ -3250,20 +3274,28 @@
               <a:t> (Verbindungen zu Freunden und Bekannten) findet die Verhaltensausbreitung statt. Über </a:t>
             </a:r>
             <a:r>
-              <a:rPr lang="de-DE" sz="1050" dirty="0" err="1" smtClean="0"/>
+              <a:rPr lang="de-DE" sz="1050" u="sng" dirty="0" err="1" smtClean="0"/>
               <a:t>Weak</a:t>
+            </a:r>
+            <a:r>
+              <a:rPr lang="de-DE" sz="1050" u="sng" dirty="0" smtClean="0"/>
+              <a:t> </a:t>
+            </a:r>
+            <a:r>
+              <a:rPr lang="de-DE" sz="1050" u="sng" dirty="0" err="1" smtClean="0"/>
+              <a:t>Ties</a:t>
             </a:r>
             <a:r>
               <a:rPr lang="de-DE" sz="1050" dirty="0" smtClean="0"/>
               <a:t> </a:t>
             </a:r>
             <a:r>
-              <a:rPr lang="de-DE" sz="1050" dirty="0" err="1" smtClean="0"/>
-              <a:t>Ties</a:t>
-            </a:r>
-            <a:r>
               <a:rPr lang="de-DE" sz="1050" dirty="0" smtClean="0"/>
-              <a:t> (lange Verbindungen zu anderen sozialen Netzen) findet die Informationsausbreitung statt.</a:t>
+              <a:t>(schwache Verbindungen </a:t>
+            </a:r>
+            <a:r>
+              <a:rPr lang="de-DE" sz="1050" dirty="0" smtClean="0"/>
+              <a:t>zu anderen sozialen Netzen) findet die Informationsausbreitung statt.</a:t>
             </a:r>
           </a:p>
           <a:p>
@@ -3280,13 +3312,13 @@
         <p:spPr>
           <a:xfrm>
             <a:off x="4626295" y="1873292"/>
-            <a:ext cx="2170692" cy="1500411"/>
+            <a:ext cx="2170692" cy="1438855"/>
           </a:xfrm>
           <a:prstGeom prst="rect">
             <a:avLst/>
           </a:prstGeom>
           <a:noFill/>
-          <a:ln>
+          <a:ln w="19050">
             <a:solidFill>
               <a:srgbClr val="FF0000"/>
             </a:solidFill>
@@ -3299,22 +3331,50 @@
           <a:lstStyle/>
           <a:p>
             <a:r>
-              <a:rPr lang="de-DE" b="1" u="sng" dirty="0" smtClean="0"/>
+              <a:rPr lang="de-DE" sz="1400" b="1" u="sng" dirty="0" smtClean="0"/>
               <a:t>Personen</a:t>
             </a:r>
           </a:p>
           <a:p>
             <a:r>
+              <a:rPr lang="de-DE" sz="1050" u="sng" dirty="0" smtClean="0"/>
+              <a:t>Innovatoren</a:t>
+            </a:r>
+            <a:r>
               <a:rPr lang="de-DE" sz="1050" dirty="0" smtClean="0"/>
-              <a:t>Innovatoren sind die ersten, welche eine Innovation adaptieren. Sie tun dies aus eigenem Antrieb. Die frühen Anwender sowie späte Mehrheit lassen sich bereits von anderen beeinflussen. </a:t>
-            </a:r>
-            <a:r>
-              <a:rPr lang="de-DE" sz="1050" dirty="0" err="1" smtClean="0"/>
+              <a:t> sind die ersten, welche eine Innovation adaptieren. Sie tun dies aus eigenem Antrieb. Die </a:t>
+            </a:r>
+            <a:r>
+              <a:rPr lang="de-DE" sz="1050" u="sng" dirty="0" smtClean="0"/>
+              <a:t>frühen </a:t>
+            </a:r>
+            <a:r>
+              <a:rPr lang="de-DE" sz="1050" u="sng" dirty="0" smtClean="0"/>
+              <a:t>Anwender</a:t>
+            </a:r>
+            <a:r>
+              <a:rPr lang="de-DE" sz="1050" dirty="0" smtClean="0"/>
+              <a:t> sowie </a:t>
+            </a:r>
+            <a:r>
+              <a:rPr lang="de-DE" sz="1050" u="sng" dirty="0" smtClean="0"/>
+              <a:t>späte Mehrheit</a:t>
+            </a:r>
+            <a:r>
+              <a:rPr lang="de-DE" sz="1050" dirty="0" smtClean="0"/>
+              <a:t> lassen sich bereits von anderen beeinflussen. </a:t>
+            </a:r>
+            <a:r>
+              <a:rPr lang="de-DE" sz="1050" u="sng" dirty="0" err="1" smtClean="0"/>
               <a:t>Laggards</a:t>
             </a:r>
             <a:r>
+              <a:rPr lang="de-DE" sz="1050" u="sng" dirty="0" smtClean="0"/>
+              <a:t> </a:t>
+            </a:r>
+            <a:r>
               <a:rPr lang="de-DE" sz="1050" dirty="0" smtClean="0"/>
-              <a:t> ziehen am Ende nach.</a:t>
+              <a:t>ziehen am Ende nach.</a:t>
             </a:r>
             <a:endParaRPr lang="de-DE" sz="1050" dirty="0"/>
           </a:p>
@@ -3328,20 +3388,559 @@
         </p:nvSpPr>
         <p:spPr>
           <a:xfrm>
-            <a:off x="175357" y="3481423"/>
-            <a:ext cx="7042825" cy="692497"/>
+            <a:off x="87925" y="3481423"/>
+            <a:ext cx="6699526" cy="692497"/>
           </a:xfrm>
           <a:prstGeom prst="rect">
             <a:avLst/>
           </a:prstGeom>
           <a:noFill/>
-          <a:ln w="28575">
+          <a:ln w="19050">
             <a:solidFill>
               <a:schemeClr val="accent6"/>
             </a:solidFill>
           </a:ln>
         </p:spPr>
         <p:txBody>
+          <a:bodyPr wrap="square" rtlCol="0">
+            <a:spAutoFit/>
+          </a:bodyPr>
+          <a:lstStyle/>
+          <a:p>
+            <a:r>
+              <a:rPr lang="de-DE" sz="1300" dirty="0" smtClean="0"/>
+              <a:t>Für die Modellierung der Verhaltensausbreitung dient ein </a:t>
+            </a:r>
+            <a:r>
+              <a:rPr lang="de-DE" sz="1300" u="sng" dirty="0" err="1" smtClean="0"/>
+              <a:t>ungerichteter</a:t>
+            </a:r>
+            <a:r>
+              <a:rPr lang="de-DE" sz="1300" u="sng" dirty="0" smtClean="0"/>
+              <a:t>, zusammenhängender </a:t>
+            </a:r>
+            <a:endParaRPr lang="de-DE" sz="1300" u="sng" dirty="0" smtClean="0"/>
+          </a:p>
+          <a:p>
+            <a:r>
+              <a:rPr lang="de-DE" sz="1300" u="sng" dirty="0" smtClean="0"/>
+              <a:t>Graph</a:t>
+            </a:r>
+            <a:r>
+              <a:rPr lang="de-DE" sz="1300" dirty="0"/>
+              <a:t> </a:t>
+            </a:r>
+            <a:r>
+              <a:rPr lang="de-DE" sz="1300" dirty="0" smtClean="0"/>
+              <a:t>um </a:t>
+            </a:r>
+            <a:r>
+              <a:rPr lang="de-DE" sz="1300" dirty="0" smtClean="0"/>
+              <a:t>die komplexen Strukturen eines sozialen Netzwerks abzubilden. Die Knoten stellen </a:t>
+            </a:r>
+            <a:endParaRPr lang="de-DE" sz="1300" dirty="0" smtClean="0"/>
+          </a:p>
+          <a:p>
+            <a:r>
+              <a:rPr lang="de-DE" sz="1300" dirty="0" smtClean="0"/>
+              <a:t>dabei die </a:t>
+            </a:r>
+            <a:r>
+              <a:rPr lang="de-DE" sz="1300" dirty="0" smtClean="0"/>
+              <a:t>Personen dar und die Kanten die </a:t>
+            </a:r>
+            <a:r>
+              <a:rPr lang="de-DE" sz="1300" dirty="0" smtClean="0"/>
+              <a:t>Verbindungen zwischen den Menschen.</a:t>
+            </a:r>
+            <a:endParaRPr lang="de-DE" sz="1300" dirty="0"/>
+          </a:p>
+        </p:txBody>
+      </p:sp>
+      <p:sp>
+        <p:nvSpPr>
+          <p:cNvPr id="2" name="Textfeld 1"/>
+          <p:cNvSpPr txBox="1"/>
+          <p:nvPr/>
+        </p:nvSpPr>
+        <p:spPr>
+          <a:xfrm>
+            <a:off x="87925" y="4295106"/>
+            <a:ext cx="6699526" cy="1092607"/>
+          </a:xfrm>
+          <a:prstGeom prst="rect">
+            <a:avLst/>
+          </a:prstGeom>
+          <a:noFill/>
+          <a:ln w="19050">
+            <a:solidFill>
+              <a:schemeClr val="accent6"/>
+            </a:solidFill>
+          </a:ln>
+        </p:spPr>
+        <p:txBody>
+          <a:bodyPr wrap="square" rtlCol="0">
+            <a:spAutoFit/>
+          </a:bodyPr>
+          <a:lstStyle/>
+          <a:p>
+            <a:r>
+              <a:rPr lang="de-DE" sz="1300" dirty="0" smtClean="0"/>
+              <a:t>Das </a:t>
+            </a:r>
+            <a:r>
+              <a:rPr lang="de-DE" sz="1300" dirty="0"/>
+              <a:t>S</a:t>
+            </a:r>
+            <a:r>
+              <a:rPr lang="de-DE" sz="1300" dirty="0" smtClean="0"/>
+              <a:t>ystem der modellierten Verhaltensausbreitung entspricht dem eines „</a:t>
+            </a:r>
+            <a:r>
+              <a:rPr lang="de-DE" sz="1300" u="sng" dirty="0" err="1" smtClean="0"/>
+              <a:t>Networked</a:t>
+            </a:r>
+            <a:r>
+              <a:rPr lang="de-DE" sz="1300" u="sng" dirty="0" smtClean="0"/>
+              <a:t> </a:t>
+            </a:r>
+            <a:r>
+              <a:rPr lang="de-DE" sz="1300" u="sng" dirty="0" err="1" smtClean="0"/>
+              <a:t>Coordination</a:t>
+            </a:r>
+            <a:r>
+              <a:rPr lang="de-DE" sz="1300" u="sng" dirty="0" smtClean="0"/>
+              <a:t> Game</a:t>
+            </a:r>
+            <a:r>
+              <a:rPr lang="de-DE" sz="1300" dirty="0" smtClean="0"/>
+              <a:t>“. Bei einem solchen Spiel müssen die einzelnen Spieler zwischen verschiedenen Entscheidungen wählen, welche ihnen unterschiedlich viele Punkte geben. Die genaue </a:t>
+            </a:r>
+            <a:r>
+              <a:rPr lang="de-DE" sz="1300" dirty="0"/>
+              <a:t>A</a:t>
+            </a:r>
+            <a:r>
+              <a:rPr lang="de-DE" sz="1300" dirty="0" smtClean="0"/>
+              <a:t>nzahl der Punkte hängt jedoch auch von den Entscheidungen der unmittelbaren Nachbarn ab. Eine </a:t>
+            </a:r>
+            <a:r>
+              <a:rPr lang="de-DE" sz="1300" u="sng" dirty="0" smtClean="0"/>
+              <a:t>Koordination</a:t>
+            </a:r>
+            <a:r>
+              <a:rPr lang="de-DE" sz="1300" dirty="0" smtClean="0"/>
+              <a:t> mit den Nachbarn für die beste Entscheidung ist erforderlich.</a:t>
+            </a:r>
+            <a:endParaRPr lang="de-DE" sz="1300" dirty="0"/>
+          </a:p>
+        </p:txBody>
+      </p:sp>
+      <mc:AlternateContent xmlns:mc="http://schemas.openxmlformats.org/markup-compatibility/2006">
+        <mc:Choice xmlns:a14="http://schemas.microsoft.com/office/drawing/2010/main" Requires="a14">
+          <p:sp>
+            <p:nvSpPr>
+              <p:cNvPr id="3" name="Textfeld 2"/>
+              <p:cNvSpPr txBox="1"/>
+              <p:nvPr/>
+            </p:nvSpPr>
+            <p:spPr>
+              <a:xfrm>
+                <a:off x="87926" y="5889771"/>
+                <a:ext cx="4998244" cy="600164"/>
+              </a:xfrm>
+              <a:prstGeom prst="rect">
+                <a:avLst/>
+              </a:prstGeom>
+              <a:noFill/>
+              <a:ln w="19050">
+                <a:solidFill>
+                  <a:schemeClr val="accent6"/>
+                </a:solidFill>
+              </a:ln>
+            </p:spPr>
+            <p:txBody>
+              <a:bodyPr wrap="square" rtlCol="0">
+                <a:spAutoFit/>
+              </a:bodyPr>
+              <a:lstStyle/>
+              <a:p>
+                <a:r>
+                  <a:rPr lang="de-DE" sz="1100" dirty="0" smtClean="0"/>
+                  <a:t>Ausgehend von einem Netzwerk mit zwei Verhaltensmöglichkeiten a und b, wird sich ein Knoten mit d Nachbarn (p% mit jeweiligem Verhalten), stets für das Verhalten mit den höheren Werten für die Terme: </a:t>
+                </a:r>
+                <a14:m>
+                  <m:oMath xmlns:m="http://schemas.openxmlformats.org/officeDocument/2006/math">
+                    <m:r>
+                      <a:rPr lang="de-DE" sz="1100" b="0" i="1" u="sng" smtClean="0">
+                        <a:latin typeface="Cambria Math" panose="02040503050406030204" pitchFamily="18" charset="0"/>
+                      </a:rPr>
+                      <m:t>𝑝</m:t>
+                    </m:r>
+                    <m:r>
+                      <a:rPr lang="de-DE" sz="1100" b="0" i="1" u="sng" smtClean="0">
+                        <a:latin typeface="Cambria Math" panose="02040503050406030204" pitchFamily="18" charset="0"/>
+                      </a:rPr>
+                      <m:t>∗</m:t>
+                    </m:r>
+                    <m:r>
+                      <a:rPr lang="de-DE" sz="1100" b="0" i="1" u="sng" smtClean="0">
+                        <a:latin typeface="Cambria Math" panose="02040503050406030204" pitchFamily="18" charset="0"/>
+                      </a:rPr>
+                      <m:t>𝑑</m:t>
+                    </m:r>
+                    <m:r>
+                      <a:rPr lang="de-DE" sz="1100" b="0" i="1" u="sng" smtClean="0">
+                        <a:latin typeface="Cambria Math" panose="02040503050406030204" pitchFamily="18" charset="0"/>
+                      </a:rPr>
+                      <m:t>∗</m:t>
+                    </m:r>
+                    <m:r>
+                      <a:rPr lang="de-DE" sz="1100" b="0" i="1" u="sng" smtClean="0">
+                        <a:latin typeface="Cambria Math" panose="02040503050406030204" pitchFamily="18" charset="0"/>
+                      </a:rPr>
+                      <m:t>𝑎</m:t>
+                    </m:r>
+                    <m:r>
+                      <a:rPr lang="de-DE" sz="1100" b="0" i="1" u="sng" smtClean="0">
+                        <a:latin typeface="Cambria Math" panose="02040503050406030204" pitchFamily="18" charset="0"/>
+                      </a:rPr>
+                      <m:t>  </m:t>
+                    </m:r>
+                  </m:oMath>
+                </a14:m>
+                <a:r>
+                  <a:rPr lang="de-DE" sz="1100" u="sng" dirty="0" smtClean="0"/>
+                  <a:t>oder </a:t>
+                </a:r>
+                <a14:m>
+                  <m:oMath xmlns:m="http://schemas.openxmlformats.org/officeDocument/2006/math">
+                    <m:d>
+                      <m:dPr>
+                        <m:ctrlPr>
+                          <a:rPr lang="de-DE" sz="1100" b="0" i="1" u="sng" smtClean="0">
+                            <a:latin typeface="Cambria Math" panose="02040503050406030204" pitchFamily="18" charset="0"/>
+                          </a:rPr>
+                        </m:ctrlPr>
+                      </m:dPr>
+                      <m:e>
+                        <m:r>
+                          <a:rPr lang="de-DE" sz="1100" b="0" i="1" u="sng" smtClean="0">
+                            <a:latin typeface="Cambria Math" panose="02040503050406030204" pitchFamily="18" charset="0"/>
+                          </a:rPr>
+                          <m:t>1−</m:t>
+                        </m:r>
+                        <m:r>
+                          <a:rPr lang="de-DE" sz="1100" b="0" i="1" u="sng" smtClean="0">
+                            <a:latin typeface="Cambria Math" panose="02040503050406030204" pitchFamily="18" charset="0"/>
+                          </a:rPr>
+                          <m:t>𝑝</m:t>
+                        </m:r>
+                      </m:e>
+                    </m:d>
+                    <m:r>
+                      <a:rPr lang="de-DE" sz="1100" b="0" i="1" u="sng" smtClean="0">
+                        <a:latin typeface="Cambria Math" panose="02040503050406030204" pitchFamily="18" charset="0"/>
+                      </a:rPr>
+                      <m:t>∗</m:t>
+                    </m:r>
+                    <m:r>
+                      <a:rPr lang="de-DE" sz="1100" b="0" i="1" u="sng" smtClean="0">
+                        <a:latin typeface="Cambria Math" panose="02040503050406030204" pitchFamily="18" charset="0"/>
+                      </a:rPr>
+                      <m:t>𝑑</m:t>
+                    </m:r>
+                    <m:r>
+                      <a:rPr lang="de-DE" sz="1100" b="0" i="1" u="sng" smtClean="0">
+                        <a:latin typeface="Cambria Math" panose="02040503050406030204" pitchFamily="18" charset="0"/>
+                      </a:rPr>
+                      <m:t> ∗</m:t>
+                    </m:r>
+                    <m:r>
+                      <a:rPr lang="de-DE" sz="1100" b="0" i="1" u="sng" smtClean="0">
+                        <a:latin typeface="Cambria Math" panose="02040503050406030204" pitchFamily="18" charset="0"/>
+                      </a:rPr>
+                      <m:t>𝑏</m:t>
+                    </m:r>
+                  </m:oMath>
+                </a14:m>
+                <a:r>
+                  <a:rPr lang="de-DE" sz="1100" u="sng" dirty="0" smtClean="0"/>
+                  <a:t> entscheiden</a:t>
+                </a:r>
+                <a:r>
+                  <a:rPr lang="de-DE" sz="1100" dirty="0" smtClean="0"/>
+                  <a:t>.</a:t>
+                </a:r>
+                <a:endParaRPr lang="de-DE" sz="1100" dirty="0"/>
+              </a:p>
+            </p:txBody>
+          </p:sp>
+        </mc:Choice>
+        <mc:Fallback>
+          <p:sp>
+            <p:nvSpPr>
+              <p:cNvPr id="3" name="Textfeld 2"/>
+              <p:cNvSpPr txBox="1">
+                <a:spLocks noRot="1" noChangeAspect="1" noMove="1" noResize="1" noEditPoints="1" noAdjustHandles="1" noChangeArrowheads="1" noChangeShapeType="1" noTextEdit="1"/>
+              </p:cNvSpPr>
+              <p:nvPr/>
+            </p:nvSpPr>
+            <p:spPr>
+              <a:xfrm>
+                <a:off x="87926" y="5889771"/>
+                <a:ext cx="4998244" cy="600164"/>
+              </a:xfrm>
+              <a:prstGeom prst="rect">
+                <a:avLst/>
+              </a:prstGeom>
+              <a:blipFill rotWithShape="0">
+                <a:blip r:embed="rId2"/>
+                <a:stretch>
+                  <a:fillRect r="-365" b="-3922"/>
+                </a:stretch>
+              </a:blipFill>
+              <a:ln w="19050">
+                <a:solidFill>
+                  <a:schemeClr val="accent6"/>
+                </a:solidFill>
+              </a:ln>
+            </p:spPr>
+            <p:txBody>
+              <a:bodyPr/>
+              <a:lstStyle/>
+              <a:p>
+                <a:r>
+                  <a:rPr lang="de-DE">
+                    <a:noFill/>
+                  </a:rPr>
+                  <a:t> </a:t>
+                </a:r>
+              </a:p>
+            </p:txBody>
+          </p:sp>
+        </mc:Fallback>
+      </mc:AlternateContent>
+      <mc:AlternateContent xmlns:mc="http://schemas.openxmlformats.org/markup-compatibility/2006">
+        <mc:Choice xmlns:a14="http://schemas.microsoft.com/office/drawing/2010/main" Requires="a14">
+          <p:sp>
+            <p:nvSpPr>
+              <p:cNvPr id="4" name="Textfeld 3"/>
+              <p:cNvSpPr txBox="1"/>
+              <p:nvPr/>
+            </p:nvSpPr>
+            <p:spPr>
+              <a:xfrm>
+                <a:off x="5086171" y="5889771"/>
+                <a:ext cx="1623386" cy="1294585"/>
+              </a:xfrm>
+              <a:prstGeom prst="rect">
+                <a:avLst/>
+              </a:prstGeom>
+              <a:noFill/>
+              <a:ln w="19050">
+                <a:solidFill>
+                  <a:schemeClr val="accent6"/>
+                </a:solidFill>
+              </a:ln>
+            </p:spPr>
+            <p:txBody>
+              <a:bodyPr wrap="square" rtlCol="0">
+                <a:spAutoFit/>
+              </a:bodyPr>
+              <a:lstStyle/>
+              <a:p>
+                <a:r>
+                  <a:rPr lang="de-DE" sz="1050" dirty="0" smtClean="0"/>
+                  <a:t>Der </a:t>
+                </a:r>
+                <a:r>
+                  <a:rPr lang="de-DE" sz="1050" u="sng" dirty="0" err="1" smtClean="0"/>
+                  <a:t>Threshold</a:t>
+                </a:r>
+                <a:r>
+                  <a:rPr lang="de-DE" sz="1050" u="sng" dirty="0" smtClean="0"/>
+                  <a:t> q</a:t>
+                </a:r>
+                <a:r>
+                  <a:rPr lang="de-DE" sz="1050" dirty="0" smtClean="0"/>
+                  <a:t> mit der Formel </a:t>
+                </a:r>
+                <a14:m>
+                  <m:oMath xmlns:m="http://schemas.openxmlformats.org/officeDocument/2006/math">
+                    <m:f>
+                      <m:fPr>
+                        <m:ctrlPr>
+                          <a:rPr lang="de-DE" sz="1050" b="0" i="1" smtClean="0">
+                            <a:latin typeface="Cambria Math" panose="02040503050406030204" pitchFamily="18" charset="0"/>
+                          </a:rPr>
+                        </m:ctrlPr>
+                      </m:fPr>
+                      <m:num>
+                        <m:r>
+                          <a:rPr lang="de-DE" sz="1050" b="0" i="1" smtClean="0">
+                            <a:latin typeface="Cambria Math" panose="02040503050406030204" pitchFamily="18" charset="0"/>
+                          </a:rPr>
+                          <m:t>𝑏</m:t>
+                        </m:r>
+                      </m:num>
+                      <m:den>
+                        <m:r>
+                          <a:rPr lang="de-DE" sz="1050" b="0" i="1" smtClean="0">
+                            <a:latin typeface="Cambria Math" panose="02040503050406030204" pitchFamily="18" charset="0"/>
+                          </a:rPr>
+                          <m:t>𝑏</m:t>
+                        </m:r>
+                        <m:r>
+                          <a:rPr lang="de-DE" sz="1050" b="0" i="1" smtClean="0">
+                            <a:latin typeface="Cambria Math" panose="02040503050406030204" pitchFamily="18" charset="0"/>
+                          </a:rPr>
+                          <m:t>+</m:t>
+                        </m:r>
+                        <m:r>
+                          <a:rPr lang="de-DE" sz="1050" b="0" i="1" smtClean="0">
+                            <a:latin typeface="Cambria Math" panose="02040503050406030204" pitchFamily="18" charset="0"/>
+                          </a:rPr>
+                          <m:t>𝑎</m:t>
+                        </m:r>
+                      </m:den>
+                    </m:f>
+                    <m:r>
+                      <a:rPr lang="de-DE" sz="1050" b="0" i="1" smtClean="0">
+                        <a:latin typeface="Cambria Math" panose="02040503050406030204" pitchFamily="18" charset="0"/>
+                      </a:rPr>
+                      <m:t> </m:t>
+                    </m:r>
+                  </m:oMath>
+                </a14:m>
+                <a:r>
+                  <a:rPr lang="de-DE" sz="1050" dirty="0" smtClean="0"/>
+                  <a:t>ist der kleinste Anteil an Nachbarn mit Verhalten a, für welchen ein Knoten mit b ebenfalls zu a wechselt.</a:t>
+                </a:r>
+              </a:p>
+              <a:p>
+                <a:endParaRPr lang="de-DE" sz="1050" dirty="0"/>
+              </a:p>
+            </p:txBody>
+          </p:sp>
+        </mc:Choice>
+        <mc:Fallback>
+          <p:sp>
+            <p:nvSpPr>
+              <p:cNvPr id="4" name="Textfeld 3"/>
+              <p:cNvSpPr txBox="1">
+                <a:spLocks noRot="1" noChangeAspect="1" noMove="1" noResize="1" noEditPoints="1" noAdjustHandles="1" noChangeArrowheads="1" noChangeShapeType="1" noTextEdit="1"/>
+              </p:cNvSpPr>
+              <p:nvPr/>
+            </p:nvSpPr>
+            <p:spPr>
+              <a:xfrm>
+                <a:off x="5086171" y="5889771"/>
+                <a:ext cx="1623386" cy="1294585"/>
+              </a:xfrm>
+              <a:prstGeom prst="rect">
+                <a:avLst/>
+              </a:prstGeom>
+              <a:blipFill rotWithShape="0">
+                <a:blip r:embed="rId3"/>
+                <a:stretch>
+                  <a:fillRect/>
+                </a:stretch>
+              </a:blipFill>
+              <a:ln w="19050">
+                <a:solidFill>
+                  <a:schemeClr val="accent6"/>
+                </a:solidFill>
+              </a:ln>
+            </p:spPr>
+            <p:txBody>
+              <a:bodyPr/>
+              <a:lstStyle/>
+              <a:p>
+                <a:r>
+                  <a:rPr lang="de-DE">
+                    <a:noFill/>
+                  </a:rPr>
+                  <a:t> </a:t>
+                </a:r>
+              </a:p>
+            </p:txBody>
+          </p:sp>
+        </mc:Fallback>
+      </mc:AlternateContent>
+      <p:sp>
+        <p:nvSpPr>
+          <p:cNvPr id="5" name="Textfeld 4"/>
+          <p:cNvSpPr txBox="1"/>
+          <p:nvPr/>
+        </p:nvSpPr>
+        <p:spPr>
+          <a:xfrm>
+            <a:off x="87925" y="6584349"/>
+            <a:ext cx="4998245" cy="600164"/>
+          </a:xfrm>
+          <a:prstGeom prst="rect">
+            <a:avLst/>
+          </a:prstGeom>
+          <a:noFill/>
+          <a:ln w="19050">
+            <a:solidFill>
+              <a:schemeClr val="accent6"/>
+            </a:solidFill>
+          </a:ln>
+        </p:spPr>
+        <p:txBody>
+          <a:bodyPr wrap="square" rtlCol="0">
+            <a:spAutoFit/>
+          </a:bodyPr>
+          <a:lstStyle/>
+          <a:p>
+            <a:r>
+              <a:rPr lang="de-DE" sz="1100" dirty="0" smtClean="0"/>
+              <a:t>Ein </a:t>
+            </a:r>
+            <a:r>
+              <a:rPr lang="de-DE" sz="1100" u="sng" dirty="0" smtClean="0"/>
+              <a:t>Cluster</a:t>
+            </a:r>
+            <a:r>
+              <a:rPr lang="de-DE" sz="1100" dirty="0" smtClean="0"/>
+              <a:t> ist ein Zusammenschluss von Knoten innerhalb eines Netzwerks, für die alle gilt, dass sich (1-q)% ihrer Nachbarn ebenfalls innerhalb des Clusters befinden. Cluster können Kaskaden zum </a:t>
+            </a:r>
+            <a:r>
+              <a:rPr lang="de-DE" sz="1100" u="sng" dirty="0" smtClean="0"/>
+              <a:t>Stillstand</a:t>
+            </a:r>
+            <a:r>
+              <a:rPr lang="de-DE" sz="1100" dirty="0" smtClean="0"/>
+              <a:t> bringen.</a:t>
+            </a:r>
+            <a:endParaRPr lang="de-DE" sz="1100" dirty="0"/>
+          </a:p>
+        </p:txBody>
+      </p:sp>
+      <p:sp>
+        <p:nvSpPr>
+          <p:cNvPr id="10" name="Textfeld 9"/>
+          <p:cNvSpPr txBox="1"/>
+          <p:nvPr/>
+        </p:nvSpPr>
+        <p:spPr>
+          <a:xfrm>
+            <a:off x="87925" y="5508899"/>
+            <a:ext cx="6699526" cy="292388"/>
+          </a:xfrm>
+          <a:prstGeom prst="rect">
+            <a:avLst/>
+          </a:prstGeom>
+          <a:noFill/>
+          <a:ln w="19050">
+            <a:solidFill>
+              <a:schemeClr val="accent6"/>
+            </a:solidFill>
+          </a:ln>
+        </p:spPr>
+        <p:txBody>
           <a:bodyPr wrap="none" rtlCol="0">
             <a:spAutoFit/>
           </a:bodyPr>
@@ -3349,40 +3948,264 @@
           <a:p>
             <a:r>
               <a:rPr lang="de-DE" sz="1300" dirty="0" smtClean="0"/>
-              <a:t>Für die Modellierung der Verhaltensausbreitung dient ein </a:t>
-            </a:r>
-            <a:r>
-              <a:rPr lang="de-DE" sz="1300" dirty="0" err="1" smtClean="0"/>
-              <a:t>ungerichteter</a:t>
-            </a:r>
-            <a:r>
-              <a:rPr lang="de-DE" sz="1300" smtClean="0"/>
-              <a:t>, </a:t>
-            </a:r>
-            <a:r>
-              <a:rPr lang="de-DE" sz="1300" smtClean="0"/>
-              <a:t>zusammenhängender Graph</a:t>
-            </a:r>
-            <a:endParaRPr lang="de-DE" sz="1300" dirty="0" smtClean="0"/>
-          </a:p>
-          <a:p>
+              <a:t>Das fortwährende Ausbreiten eines neuen Verhaltens in einem Netzwerk wird </a:t>
+            </a:r>
+            <a:r>
+              <a:rPr lang="de-DE" sz="1300" u="sng" dirty="0" smtClean="0"/>
+              <a:t>Kaskade</a:t>
+            </a:r>
+            <a:r>
+              <a:rPr lang="de-DE" sz="1300" dirty="0" smtClean="0"/>
+              <a:t> genannt.</a:t>
+            </a:r>
+            <a:endParaRPr lang="de-DE" sz="1300" dirty="0"/>
+          </a:p>
+        </p:txBody>
+      </p:sp>
+      <mc:AlternateContent xmlns:mc="http://schemas.openxmlformats.org/markup-compatibility/2006">
+        <mc:Choice xmlns:a14="http://schemas.microsoft.com/office/drawing/2010/main" Requires="a14">
+          <p:sp>
+            <p:nvSpPr>
+              <p:cNvPr id="16" name="Textfeld 15"/>
+              <p:cNvSpPr txBox="1"/>
+              <p:nvPr/>
+            </p:nvSpPr>
+            <p:spPr>
+              <a:xfrm>
+                <a:off x="87925" y="7272840"/>
+                <a:ext cx="6621632" cy="774956"/>
+              </a:xfrm>
+              <a:prstGeom prst="rect">
+                <a:avLst/>
+              </a:prstGeom>
+              <a:noFill/>
+              <a:ln w="19050">
+                <a:solidFill>
+                  <a:schemeClr val="accent6"/>
+                </a:solidFill>
+              </a:ln>
+            </p:spPr>
+            <p:txBody>
+              <a:bodyPr wrap="square" rtlCol="0">
+                <a:spAutoFit/>
+              </a:bodyPr>
+              <a:lstStyle/>
+              <a:p>
+                <a:r>
+                  <a:rPr lang="de-DE" sz="1300" dirty="0" smtClean="0"/>
+                  <a:t>Die </a:t>
+                </a:r>
+                <a:r>
+                  <a:rPr lang="de-DE" sz="1300" u="sng" dirty="0" smtClean="0"/>
+                  <a:t>Kapazität einer Kaskade</a:t>
+                </a:r>
+                <a:r>
+                  <a:rPr lang="de-DE" sz="1300" dirty="0" smtClean="0"/>
+                  <a:t> ist der kleinste Wert des </a:t>
+                </a:r>
+                <a:r>
+                  <a:rPr lang="de-DE" sz="1300" dirty="0" err="1" smtClean="0"/>
+                  <a:t>Threshold</a:t>
+                </a:r>
+                <a:r>
+                  <a:rPr lang="de-DE" sz="1300" dirty="0" smtClean="0"/>
+                  <a:t> q, für welchen, ausgehend von einem kleinen Set an initialen Innovatoren, ein gesamtes Netzwerk zum Umschwung bewegt wird.  Sie kann niemals größer als </a:t>
+                </a:r>
+                <a14:m>
+                  <m:oMath xmlns:m="http://schemas.openxmlformats.org/officeDocument/2006/math">
+                    <m:f>
+                      <m:fPr>
+                        <m:ctrlPr>
+                          <a:rPr lang="de-DE" sz="1300" b="0" i="1" smtClean="0">
+                            <a:latin typeface="Cambria Math" panose="02040503050406030204" pitchFamily="18" charset="0"/>
+                          </a:rPr>
+                        </m:ctrlPr>
+                      </m:fPr>
+                      <m:num>
+                        <m:r>
+                          <a:rPr lang="de-DE" sz="1300" b="0" i="1" smtClean="0">
+                            <a:latin typeface="Cambria Math" panose="02040503050406030204" pitchFamily="18" charset="0"/>
+                          </a:rPr>
+                          <m:t>1</m:t>
+                        </m:r>
+                      </m:num>
+                      <m:den>
+                        <m:r>
+                          <a:rPr lang="de-DE" sz="1300" b="0" i="1" smtClean="0">
+                            <a:latin typeface="Cambria Math" panose="02040503050406030204" pitchFamily="18" charset="0"/>
+                          </a:rPr>
+                          <m:t>2</m:t>
+                        </m:r>
+                      </m:den>
+                    </m:f>
+                  </m:oMath>
+                </a14:m>
+                <a:r>
+                  <a:rPr lang="de-DE" sz="1300" dirty="0" smtClean="0"/>
+                  <a:t> sein.</a:t>
+                </a:r>
+                <a:endParaRPr lang="de-DE" sz="1300" dirty="0"/>
+              </a:p>
+            </p:txBody>
+          </p:sp>
+        </mc:Choice>
+        <mc:Fallback>
+          <p:sp>
+            <p:nvSpPr>
+              <p:cNvPr id="16" name="Textfeld 15"/>
+              <p:cNvSpPr txBox="1">
+                <a:spLocks noRot="1" noChangeAspect="1" noMove="1" noResize="1" noEditPoints="1" noAdjustHandles="1" noChangeArrowheads="1" noChangeShapeType="1" noTextEdit="1"/>
+              </p:cNvSpPr>
+              <p:nvPr/>
+            </p:nvSpPr>
+            <p:spPr>
+              <a:xfrm>
+                <a:off x="87925" y="7272840"/>
+                <a:ext cx="6621632" cy="774956"/>
+              </a:xfrm>
+              <a:prstGeom prst="rect">
+                <a:avLst/>
+              </a:prstGeom>
+              <a:blipFill rotWithShape="0">
+                <a:blip r:embed="rId4"/>
+                <a:stretch>
+                  <a:fillRect/>
+                </a:stretch>
+              </a:blipFill>
+              <a:ln w="19050">
+                <a:solidFill>
+                  <a:schemeClr val="accent6"/>
+                </a:solidFill>
+              </a:ln>
+            </p:spPr>
+            <p:txBody>
+              <a:bodyPr/>
+              <a:lstStyle/>
+              <a:p>
+                <a:r>
+                  <a:rPr lang="de-DE">
+                    <a:noFill/>
+                  </a:rPr>
+                  <a:t> </a:t>
+                </a:r>
+              </a:p>
+            </p:txBody>
+          </p:sp>
+        </mc:Fallback>
+      </mc:AlternateContent>
+      <p:sp>
+        <p:nvSpPr>
+          <p:cNvPr id="17" name="Textfeld 16"/>
+          <p:cNvSpPr txBox="1"/>
+          <p:nvPr/>
+        </p:nvSpPr>
+        <p:spPr>
+          <a:xfrm>
+            <a:off x="87925" y="8136123"/>
+            <a:ext cx="6621632" cy="892552"/>
+          </a:xfrm>
+          <a:prstGeom prst="rect">
+            <a:avLst/>
+          </a:prstGeom>
+          <a:noFill/>
+          <a:ln w="19050">
+            <a:solidFill>
+              <a:srgbClr val="00B0F0"/>
+            </a:solidFill>
+          </a:ln>
+        </p:spPr>
+        <p:txBody>
+          <a:bodyPr wrap="square" rtlCol="0">
+            <a:spAutoFit/>
+          </a:bodyPr>
+          <a:lstStyle/>
+          <a:p>
+            <a:r>
+              <a:rPr lang="de-DE" sz="1300" u="sng" dirty="0" smtClean="0"/>
+              <a:t>Virales Marketing</a:t>
+            </a:r>
+            <a:r>
+              <a:rPr lang="de-DE" sz="1300" dirty="0" smtClean="0"/>
+              <a:t> ist eine Strategie des Marketings, bei der versucht wird, mittels </a:t>
+            </a:r>
+            <a:r>
+              <a:rPr lang="de-DE" sz="1300" u="sng" dirty="0" smtClean="0"/>
+              <a:t>künstlich</a:t>
+            </a:r>
+            <a:r>
+              <a:rPr lang="de-DE" sz="1300" dirty="0" smtClean="0"/>
+              <a:t> platzierten Innovatoren, eine kaskadenartige (sich verselbständigende) Ausbreitung eines gewünschten Verhaltens zu erzeugen. Häufig nutzt man dazu die Strukturen moderner online Netzwerke wie </a:t>
+            </a:r>
+            <a:r>
+              <a:rPr lang="de-DE" sz="1300" u="sng" dirty="0" smtClean="0"/>
+              <a:t>Facebook</a:t>
+            </a:r>
+            <a:r>
+              <a:rPr lang="de-DE" sz="1300" dirty="0" smtClean="0"/>
+              <a:t> oder </a:t>
+            </a:r>
+            <a:r>
+              <a:rPr lang="de-DE" sz="1300" u="sng" dirty="0" smtClean="0"/>
+              <a:t>Twitter</a:t>
+            </a:r>
+            <a:r>
+              <a:rPr lang="de-DE" sz="1300" dirty="0" smtClean="0"/>
+              <a:t>.</a:t>
+            </a:r>
+            <a:endParaRPr lang="de-DE" sz="1300" dirty="0"/>
+          </a:p>
+        </p:txBody>
+      </p:sp>
+      <p:sp>
+        <p:nvSpPr>
+          <p:cNvPr id="18" name="Textfeld 17"/>
+          <p:cNvSpPr txBox="1"/>
+          <p:nvPr/>
+        </p:nvSpPr>
+        <p:spPr>
+          <a:xfrm>
+            <a:off x="87925" y="9117002"/>
+            <a:ext cx="6621632" cy="692497"/>
+          </a:xfrm>
+          <a:prstGeom prst="rect">
+            <a:avLst/>
+          </a:prstGeom>
+          <a:noFill/>
+          <a:ln w="19050">
+            <a:solidFill>
+              <a:srgbClr val="00B0F0"/>
+            </a:solidFill>
+          </a:ln>
+        </p:spPr>
+        <p:txBody>
+          <a:bodyPr wrap="square" rtlCol="0">
+            <a:spAutoFit/>
+          </a:bodyPr>
+          <a:lstStyle/>
+          <a:p>
+            <a:r>
+              <a:rPr lang="de-DE" sz="1300" dirty="0" smtClean="0"/>
+              <a:t>Hohen Einfluss auf den Erfolg von viralem Marketing hat die passende Auswahl der sogenannten </a:t>
+            </a:r>
+            <a:r>
+              <a:rPr lang="de-DE" sz="1300" u="sng" dirty="0" smtClean="0"/>
+              <a:t>Change </a:t>
+            </a:r>
+            <a:r>
+              <a:rPr lang="de-DE" sz="1300" u="sng" dirty="0" err="1" smtClean="0"/>
+              <a:t>Agents</a:t>
+            </a:r>
+            <a:r>
+              <a:rPr lang="de-DE" sz="1300" dirty="0" smtClean="0"/>
+              <a:t>. Gerne werden hierfür prominente Personen mit vielen </a:t>
+            </a:r>
             <a:r>
               <a:rPr lang="de-DE" sz="1300" dirty="0"/>
-              <a:t>u</a:t>
+              <a:t>M</a:t>
             </a:r>
             <a:r>
               <a:rPr lang="de-DE" sz="1300" dirty="0" smtClean="0"/>
-              <a:t>m die komplexen Strukturen eines sozialen Netzwerks abzubilden. Die Knoten stellen dabei </a:t>
-            </a:r>
-          </a:p>
-          <a:p>
-            <a:r>
-              <a:rPr lang="de-DE" sz="1300" dirty="0"/>
-              <a:t>d</a:t>
-            </a:r>
-            <a:r>
-              <a:rPr lang="de-DE" sz="1300" dirty="0" smtClean="0"/>
-              <a:t>ie Personen dar und die Kanten die Verbindungen.</a:t>
+              <a:t>illionen Twitter Follower genommen, da diese schnell viele Menschen erreichen können.</a:t>
             </a:r>
             <a:endParaRPr lang="de-DE" sz="1300" dirty="0"/>
           </a:p>
@@ -3398,6 +4221,13 @@
   <p:clrMapOvr>
     <a:masterClrMapping/>
   </p:clrMapOvr>
+  <p:timing>
+    <p:tnLst>
+      <p:par>
+        <p:cTn id="1" dur="indefinite" restart="never" nodeType="tmRoot"/>
+      </p:par>
+    </p:tnLst>
+  </p:timing>
 </p:sld>
 </file>
 
